--- a/기계공학실험_01.pptx
+++ b/기계공학실험_01.pptx
@@ -229,7 +229,7 @@
             <a:fld id="{7B221F05-95D6-498D-BA88-FF003B5FB826}" type="datetimeFigureOut">
               <a:rPr lang="ko-KR" altLang="en-US" smtClean="0"/>
               <a:pPr/>
-              <a:t>2017-02-25</a:t>
+              <a:t>2017-02-26</a:t>
             </a:fld>
             <a:endParaRPr lang="ko-KR" altLang="en-US"/>
           </a:p>
@@ -685,7 +685,7 @@
             <a:fld id="{19FB1216-F83B-4868-805E-72F7E9D253FB}" type="datetimeFigureOut">
               <a:rPr lang="ko-KR" altLang="en-US" smtClean="0"/>
               <a:pPr/>
-              <a:t>2017-02-25</a:t>
+              <a:t>2017-02-26</a:t>
             </a:fld>
             <a:endParaRPr lang="ko-KR" altLang="en-US"/>
           </a:p>
@@ -901,7 +901,7 @@
             <a:fld id="{19FB1216-F83B-4868-805E-72F7E9D253FB}" type="datetimeFigureOut">
               <a:rPr lang="ko-KR" altLang="en-US" smtClean="0"/>
               <a:pPr/>
-              <a:t>2017-02-25</a:t>
+              <a:t>2017-02-26</a:t>
             </a:fld>
             <a:endParaRPr lang="ko-KR" altLang="en-US"/>
           </a:p>
@@ -1148,7 +1148,7 @@
             <a:fld id="{19FB1216-F83B-4868-805E-72F7E9D253FB}" type="datetimeFigureOut">
               <a:rPr lang="ko-KR" altLang="en-US" smtClean="0"/>
               <a:pPr/>
-              <a:t>2017-02-25</a:t>
+              <a:t>2017-02-26</a:t>
             </a:fld>
             <a:endParaRPr lang="ko-KR" altLang="en-US"/>
           </a:p>
@@ -1969,7 +1969,11 @@
             <a:pPr lvl="1"/>
             <a:r>
               <a:rPr lang="ko-KR" altLang="en-US" dirty="0" smtClean="0"/>
-              <a:t>강의자료 링크</a:t>
+              <a:t>강의자료 </a:t>
+            </a:r>
+            <a:r>
+              <a:rPr lang="ko-KR" altLang="en-US" dirty="0" smtClean="0"/>
+              <a:t>및 소스코드 링크</a:t>
             </a:r>
             <a:r>
               <a:rPr lang="en-US" altLang="ko-KR" dirty="0"/>
@@ -1981,16 +1985,9 @@
               <a:buNone/>
             </a:pPr>
             <a:r>
-              <a:rPr lang="en-US" altLang="ko-KR" sz="2800" dirty="0" smtClean="0"/>
-              <a:t>https</a:t>
-            </a:r>
-            <a:r>
-              <a:rPr lang="en-US" altLang="ko-KR" sz="2800" dirty="0"/>
-              <a:t>://goo.gl/I8TraH</a:t>
-            </a:r>
-            <a:endParaRPr lang="en-US" altLang="ko-KR" sz="2800" dirty="0" smtClean="0"/>
-          </a:p>
-          <a:p>
+              <a:rPr lang="en-US" altLang="ko-KR" sz="1800" dirty="0"/>
+              <a:t>https://github.com/JinFree/HYU_Mechanical_Engineering_Lab1</a:t>
+            </a:r>
             <a:endParaRPr lang="en-US" altLang="ko-KR" dirty="0" smtClean="0"/>
           </a:p>
           <a:p>

--- a/기계공학실험_01.pptx
+++ b/기계공학실험_01.pptx
@@ -229,7 +229,7 @@
             <a:fld id="{7B221F05-95D6-498D-BA88-FF003B5FB826}" type="datetimeFigureOut">
               <a:rPr lang="ko-KR" altLang="en-US" smtClean="0"/>
               <a:pPr/>
-              <a:t>2017-02-26</a:t>
+              <a:t>2017-03-08</a:t>
             </a:fld>
             <a:endParaRPr lang="ko-KR" altLang="en-US"/>
           </a:p>
@@ -685,7 +685,7 @@
             <a:fld id="{19FB1216-F83B-4868-805E-72F7E9D253FB}" type="datetimeFigureOut">
               <a:rPr lang="ko-KR" altLang="en-US" smtClean="0"/>
               <a:pPr/>
-              <a:t>2017-02-26</a:t>
+              <a:t>2017-03-08</a:t>
             </a:fld>
             <a:endParaRPr lang="ko-KR" altLang="en-US"/>
           </a:p>
@@ -901,7 +901,7 @@
             <a:fld id="{19FB1216-F83B-4868-805E-72F7E9D253FB}" type="datetimeFigureOut">
               <a:rPr lang="ko-KR" altLang="en-US" smtClean="0"/>
               <a:pPr/>
-              <a:t>2017-02-26</a:t>
+              <a:t>2017-03-08</a:t>
             </a:fld>
             <a:endParaRPr lang="ko-KR" altLang="en-US"/>
           </a:p>
@@ -1148,7 +1148,7 @@
             <a:fld id="{19FB1216-F83B-4868-805E-72F7E9D253FB}" type="datetimeFigureOut">
               <a:rPr lang="ko-KR" altLang="en-US" smtClean="0"/>
               <a:pPr/>
-              <a:t>2017-02-26</a:t>
+              <a:t>2017-03-08</a:t>
             </a:fld>
             <a:endParaRPr lang="ko-KR" altLang="en-US"/>
           </a:p>
@@ -1969,11 +1969,7 @@
             <a:pPr lvl="1"/>
             <a:r>
               <a:rPr lang="ko-KR" altLang="en-US" dirty="0" smtClean="0"/>
-              <a:t>강의자료 </a:t>
-            </a:r>
-            <a:r>
-              <a:rPr lang="ko-KR" altLang="en-US" dirty="0" smtClean="0"/>
-              <a:t>및 소스코드 링크</a:t>
+              <a:t>강의자료 및 소스코드 링크</a:t>
             </a:r>
             <a:r>
               <a:rPr lang="en-US" altLang="ko-KR" dirty="0"/>
@@ -2049,8 +2045,20 @@
             </a:r>
             <a:r>
               <a:rPr lang="en-US" altLang="ko-KR" dirty="0"/>
-              <a:t> 360</a:t>
-            </a:r>
+              <a:t> </a:t>
+            </a:r>
+            <a:r>
+              <a:rPr lang="en-US" altLang="ko-KR" dirty="0" smtClean="0"/>
+              <a:t>360</a:t>
+            </a:r>
+          </a:p>
+          <a:p>
+            <a:pPr lvl="2"/>
+            <a:r>
+              <a:rPr lang="en-US" altLang="ko-KR"/>
+              <a:t>https://www.dropbox.com/s/6dwqh9s1ymv6bsw/Tecplot%20360.zip?dl=0</a:t>
+            </a:r>
+            <a:endParaRPr lang="en-US" altLang="ko-KR" dirty="0"/>
           </a:p>
           <a:p>
             <a:endParaRPr lang="en-US" altLang="ko-KR" dirty="0"/>

--- a/기계공학실험_01.pptx
+++ b/기계공학실험_01.pptx
@@ -146,6 +146,10 @@
 </p:presentation>
 </file>
 
+<file path=ppt/revisionInfo.xml><?xml version="1.0" encoding="utf-8"?>
+<p1510:revInfo xmlns:a="http://schemas.openxmlformats.org/drawingml/2006/main" xmlns:r="http://schemas.openxmlformats.org/officeDocument/2006/relationships" xmlns:p1510="http://schemas.microsoft.com/office/powerpoint/2015/10/main"/>
+</file>
+
 <file path=ppt/notesMasters/notesMaster1.xml><?xml version="1.0" encoding="utf-8"?>
 <p:notesMaster xmlns:a="http://schemas.openxmlformats.org/drawingml/2006/main" xmlns:r="http://schemas.openxmlformats.org/officeDocument/2006/relationships" xmlns:p="http://schemas.openxmlformats.org/presentationml/2006/main">
   <p:cSld>
@@ -229,7 +233,7 @@
             <a:fld id="{7B221F05-95D6-498D-BA88-FF003B5FB826}" type="datetimeFigureOut">
               <a:rPr lang="ko-KR" altLang="en-US" smtClean="0"/>
               <a:pPr/>
-              <a:t>2017-03-08</a:t>
+              <a:t>2017-05-10</a:t>
             </a:fld>
             <a:endParaRPr lang="ko-KR" altLang="en-US"/>
           </a:p>
@@ -685,7 +689,7 @@
             <a:fld id="{19FB1216-F83B-4868-805E-72F7E9D253FB}" type="datetimeFigureOut">
               <a:rPr lang="ko-KR" altLang="en-US" smtClean="0"/>
               <a:pPr/>
-              <a:t>2017-03-08</a:t>
+              <a:t>2017-05-10</a:t>
             </a:fld>
             <a:endParaRPr lang="ko-KR" altLang="en-US"/>
           </a:p>
@@ -901,7 +905,7 @@
             <a:fld id="{19FB1216-F83B-4868-805E-72F7E9D253FB}" type="datetimeFigureOut">
               <a:rPr lang="ko-KR" altLang="en-US" smtClean="0"/>
               <a:pPr/>
-              <a:t>2017-03-08</a:t>
+              <a:t>2017-05-10</a:t>
             </a:fld>
             <a:endParaRPr lang="ko-KR" altLang="en-US"/>
           </a:p>
@@ -1148,7 +1152,7 @@
             <a:fld id="{19FB1216-F83B-4868-805E-72F7E9D253FB}" type="datetimeFigureOut">
               <a:rPr lang="ko-KR" altLang="en-US" smtClean="0"/>
               <a:pPr/>
-              <a:t>2017-03-08</a:t>
+              <a:t>2017-05-10</a:t>
             </a:fld>
             <a:endParaRPr lang="ko-KR" altLang="en-US"/>
           </a:p>
@@ -1805,13 +1809,6 @@
   <p:clrMapOvr>
     <a:masterClrMapping/>
   </p:clrMapOvr>
-  <p:timing>
-    <p:tnLst>
-      <p:par>
-        <p:cTn id="1" dur="indefinite" restart="never" nodeType="tmRoot"/>
-      </p:par>
-    </p:tnLst>
-  </p:timing>
 </p:sld>
 </file>
 
@@ -1888,7 +1885,7 @@
             </a:r>
             <a:r>
               <a:rPr lang="ko-KR" altLang="en-US" dirty="0"/>
-              <a:t>왕진영</a:t>
+              <a:t>손영우</a:t>
             </a:r>
             <a:endParaRPr lang="en-US" altLang="ko-KR" dirty="0"/>
           </a:p>
@@ -1896,46 +1893,38 @@
             <a:pPr lvl="1"/>
             <a:r>
               <a:rPr lang="en-US" altLang="ko-KR" dirty="0"/>
-              <a:t>E-mail: </a:t>
-            </a:r>
-            <a:r>
-              <a:rPr lang="en-US" altLang="ko-KR" dirty="0" smtClean="0">
-                <a:hlinkClick r:id="rId2"/>
-              </a:rPr>
-              <a:t>ytrqwe12@gmail.com</a:t>
-            </a:r>
-            <a:endParaRPr lang="en-US" altLang="ko-KR" dirty="0" smtClean="0"/>
+              <a:t>E-mail: yessyw@naver.com</a:t>
+            </a:r>
           </a:p>
           <a:p>
             <a:pPr lvl="2"/>
             <a:r>
-              <a:rPr lang="ko-KR" altLang="en-US" dirty="0" smtClean="0"/>
+              <a:rPr lang="ko-KR" altLang="en-US" dirty="0"/>
               <a:t>모든 과제는 이메일을 통해 받습니다</a:t>
             </a:r>
             <a:r>
-              <a:rPr lang="en-US" altLang="ko-KR" dirty="0" smtClean="0"/>
+              <a:rPr lang="en-US" altLang="ko-KR" dirty="0"/>
               <a:t>.</a:t>
             </a:r>
           </a:p>
           <a:p>
             <a:pPr lvl="2"/>
             <a:r>
-              <a:rPr lang="ko-KR" altLang="en-US" dirty="0" smtClean="0"/>
+              <a:rPr lang="ko-KR" altLang="en-US" dirty="0"/>
               <a:t>제출 형식은 </a:t>
             </a:r>
             <a:r>
-              <a:rPr lang="en-US" altLang="ko-KR" dirty="0" smtClean="0"/>
+              <a:rPr lang="en-US" altLang="ko-KR" dirty="0"/>
               <a:t>PDF</a:t>
             </a:r>
             <a:r>
-              <a:rPr lang="ko-KR" altLang="en-US" dirty="0" smtClean="0"/>
+              <a:rPr lang="ko-KR" altLang="en-US" dirty="0"/>
               <a:t>입니다</a:t>
             </a:r>
             <a:r>
-              <a:rPr lang="en-US" altLang="ko-KR" dirty="0" smtClean="0"/>
+              <a:rPr lang="en-US" altLang="ko-KR" dirty="0"/>
               <a:t>.</a:t>
             </a:r>
-            <a:endParaRPr lang="en-US" altLang="ko-KR" dirty="0"/>
           </a:p>
           <a:p>
             <a:pPr lvl="1"/>
@@ -1960,15 +1949,15 @@
               <a:t>116</a:t>
             </a:r>
             <a:r>
-              <a:rPr lang="ko-KR" altLang="en-US" dirty="0" smtClean="0"/>
+              <a:rPr lang="ko-KR" altLang="en-US" dirty="0"/>
               <a:t>호</a:t>
             </a:r>
-            <a:endParaRPr lang="en-US" altLang="ko-KR" dirty="0" smtClean="0"/>
+            <a:endParaRPr lang="en-US" altLang="ko-KR" dirty="0"/>
           </a:p>
           <a:p>
             <a:pPr lvl="1"/>
             <a:r>
-              <a:rPr lang="ko-KR" altLang="en-US" dirty="0" smtClean="0"/>
+              <a:rPr lang="ko-KR" altLang="en-US" dirty="0"/>
               <a:t>강의자료 및 소스코드 링크</a:t>
             </a:r>
             <a:r>
@@ -1984,19 +1973,19 @@
               <a:rPr lang="en-US" altLang="ko-KR" sz="1800" dirty="0"/>
               <a:t>https://github.com/JinFree/HYU_Mechanical_Engineering_Lab1</a:t>
             </a:r>
-            <a:endParaRPr lang="en-US" altLang="ko-KR" dirty="0" smtClean="0"/>
-          </a:p>
-          <a:p>
-            <a:r>
-              <a:rPr lang="ko-KR" altLang="en-US" dirty="0" smtClean="0"/>
+            <a:endParaRPr lang="en-US" altLang="ko-KR" dirty="0"/>
+          </a:p>
+          <a:p>
+            <a:r>
+              <a:rPr lang="ko-KR" altLang="en-US" dirty="0"/>
               <a:t>성적</a:t>
             </a:r>
-            <a:endParaRPr lang="en-US" altLang="ko-KR" dirty="0" smtClean="0"/>
+            <a:endParaRPr lang="en-US" altLang="ko-KR" dirty="0"/>
           </a:p>
           <a:p>
             <a:pPr lvl="1"/>
             <a:r>
-              <a:rPr lang="ko-KR" altLang="en-US" dirty="0" smtClean="0"/>
+              <a:rPr lang="ko-KR" altLang="en-US" dirty="0"/>
               <a:t>출석</a:t>
             </a:r>
             <a:r>
@@ -2029,35 +2018,21 @@
             <a:pPr lvl="1"/>
             <a:r>
               <a:rPr lang="en-US" altLang="ko-KR" dirty="0"/>
-              <a:t>Visual </a:t>
-            </a:r>
-            <a:r>
-              <a:rPr lang="en-US" altLang="ko-KR" dirty="0" smtClean="0"/>
-              <a:t>Studio 2013</a:t>
+              <a:t>Visual Studio 2013</a:t>
+            </a:r>
+          </a:p>
+          <a:p>
+            <a:pPr lvl="1"/>
+            <a:r>
+              <a:rPr lang="en-US" altLang="ko-KR" dirty="0" err="1"/>
+              <a:t>Paraview</a:t>
             </a:r>
             <a:endParaRPr lang="en-US" altLang="ko-KR" dirty="0"/>
           </a:p>
           <a:p>
-            <a:pPr lvl="1"/>
-            <a:r>
-              <a:rPr lang="en-US" altLang="ko-KR" dirty="0" err="1"/>
-              <a:t>Tecplot</a:t>
-            </a:r>
-            <a:r>
-              <a:rPr lang="en-US" altLang="ko-KR" dirty="0"/>
-              <a:t> </a:t>
-            </a:r>
-            <a:r>
-              <a:rPr lang="en-US" altLang="ko-KR" dirty="0" smtClean="0"/>
-              <a:t>360</a:t>
-            </a:r>
-          </a:p>
-          <a:p>
-            <a:pPr lvl="2"/>
-            <a:r>
-              <a:rPr lang="en-US" altLang="ko-KR"/>
-              <a:t>https://www.dropbox.com/s/6dwqh9s1ymv6bsw/Tecplot%20360.zip?dl=0</a:t>
-            </a:r>
+            <a:pPr marL="457200" lvl="1" indent="0">
+              <a:buNone/>
+            </a:pPr>
             <a:endParaRPr lang="en-US" altLang="ko-KR" dirty="0"/>
           </a:p>
           <a:p>
@@ -2075,13 +2050,6 @@
   <p:clrMapOvr>
     <a:masterClrMapping/>
   </p:clrMapOvr>
-  <p:timing>
-    <p:tnLst>
-      <p:par>
-        <p:cTn id="1" dur="indefinite" restart="never" nodeType="tmRoot"/>
-      </p:par>
-    </p:tnLst>
-  </p:timing>
 </p:sld>
 </file>
 
@@ -2843,11 +2811,7 @@
           <a:p>
             <a:r>
               <a:rPr lang="en-US" altLang="ko-KR" dirty="0"/>
-              <a:t>Pre </a:t>
-            </a:r>
-            <a:r>
-              <a:rPr lang="en-US" altLang="ko-KR" dirty="0" smtClean="0"/>
-              <a:t>Processing</a:t>
+              <a:t>Pre Processing</a:t>
             </a:r>
           </a:p>
           <a:p>
@@ -2855,7 +2819,7 @@
           </a:p>
           <a:p>
             <a:r>
-              <a:rPr lang="en-US" altLang="ko-KR" dirty="0" smtClean="0"/>
+              <a:rPr lang="en-US" altLang="ko-KR" dirty="0"/>
               <a:t>Solver</a:t>
             </a:r>
           </a:p>
@@ -2864,7 +2828,7 @@
           </a:p>
           <a:p>
             <a:r>
-              <a:rPr lang="en-US" altLang="ko-KR" dirty="0" smtClean="0"/>
+              <a:rPr lang="en-US" altLang="ko-KR" dirty="0"/>
               <a:t>Post Processing</a:t>
             </a:r>
             <a:endParaRPr lang="ko-KR" altLang="en-US" dirty="0"/>
@@ -3707,7 +3671,7 @@
           <a:lstStyle/>
           <a:p>
             <a:r>
-              <a:rPr lang="en-US" altLang="ko-KR" dirty="0" smtClean="0"/>
+              <a:rPr lang="en-US" altLang="ko-KR" dirty="0"/>
               <a:t>CFD </a:t>
             </a:r>
             <a:r>
@@ -3728,11 +3692,7 @@
             </a:r>
             <a:r>
               <a:rPr lang="ko-KR" altLang="en-US" dirty="0"/>
-              <a:t>를 </a:t>
-            </a:r>
-            <a:r>
-              <a:rPr lang="ko-KR" altLang="en-US" dirty="0" smtClean="0"/>
-              <a:t>조사할 것</a:t>
+              <a:t>를 조사할 것</a:t>
             </a:r>
             <a:endParaRPr lang="en-US" altLang="ko-KR" dirty="0"/>
           </a:p>
@@ -3761,74 +3721,63 @@
             </a:r>
             <a:r>
               <a:rPr lang="ko-KR" altLang="en-US" dirty="0"/>
-              <a:t>의 장점 및 단점을 </a:t>
-            </a:r>
-            <a:r>
-              <a:rPr lang="ko-KR" altLang="en-US" smtClean="0"/>
-              <a:t>조사할 것</a:t>
-            </a:r>
-            <a:endParaRPr lang="en-US" altLang="ko-KR" dirty="0" smtClean="0"/>
-          </a:p>
-          <a:p>
+              <a:t>의 장점 및 단점을 조사할 것</a:t>
+            </a:r>
             <a:endParaRPr lang="en-US" altLang="ko-KR" dirty="0"/>
           </a:p>
           <a:p>
-            <a:r>
-              <a:rPr lang="ko-KR" altLang="en-US" dirty="0" smtClean="0"/>
+            <a:endParaRPr lang="en-US" altLang="ko-KR" dirty="0"/>
+          </a:p>
+          <a:p>
+            <a:r>
+              <a:rPr lang="ko-KR" altLang="en-US" dirty="0"/>
               <a:t>제출</a:t>
             </a:r>
             <a:r>
-              <a:rPr lang="en-US" altLang="ko-KR" dirty="0" smtClean="0"/>
+              <a:rPr lang="en-US" altLang="ko-KR" dirty="0"/>
+              <a:t>: yessyw@naver.com</a:t>
+            </a:r>
+          </a:p>
+          <a:p>
+            <a:r>
+              <a:rPr lang="ko-KR" altLang="en-US" dirty="0"/>
+              <a:t>제출 포맷</a:t>
+            </a:r>
+            <a:r>
+              <a:rPr lang="en-US" altLang="ko-KR" dirty="0"/>
+              <a:t>: PDF</a:t>
+            </a:r>
+          </a:p>
+          <a:p>
+            <a:r>
+              <a:rPr lang="ko-KR" altLang="en-US" dirty="0"/>
+              <a:t>메일 제목</a:t>
+            </a:r>
+            <a:r>
+              <a:rPr lang="en-US" altLang="ko-KR" dirty="0"/>
               <a:t>: </a:t>
             </a:r>
             <a:r>
-              <a:rPr lang="en-US" altLang="ko-KR" dirty="0" smtClean="0">
-                <a:hlinkClick r:id="rId2"/>
-              </a:rPr>
-              <a:t>ytrqwe12@gmail.com</a:t>
-            </a:r>
-            <a:endParaRPr lang="en-US" altLang="ko-KR" dirty="0" smtClean="0"/>
-          </a:p>
-          <a:p>
-            <a:r>
-              <a:rPr lang="ko-KR" altLang="en-US" dirty="0" smtClean="0"/>
-              <a:t>제출 포맷</a:t>
-            </a:r>
-            <a:r>
-              <a:rPr lang="en-US" altLang="ko-KR" dirty="0" smtClean="0"/>
-              <a:t>: PDF</a:t>
-            </a:r>
-          </a:p>
-          <a:p>
-            <a:r>
-              <a:rPr lang="ko-KR" altLang="en-US" dirty="0" smtClean="0"/>
-              <a:t>메일 제목</a:t>
-            </a:r>
-            <a:r>
-              <a:rPr lang="en-US" altLang="ko-KR" dirty="0" smtClean="0"/>
-              <a:t>: </a:t>
-            </a:r>
-            <a:r>
-              <a:rPr lang="ko-KR" altLang="en-US" dirty="0" smtClean="0"/>
+              <a:rPr lang="ko-KR" altLang="en-US" dirty="0"/>
               <a:t>기계공학실험</a:t>
             </a:r>
             <a:r>
-              <a:rPr lang="en-US" altLang="ko-KR" dirty="0" smtClean="0"/>
+              <a:rPr lang="en-US" altLang="ko-KR" dirty="0"/>
               <a:t>_HW#1_</a:t>
             </a:r>
             <a:r>
-              <a:rPr lang="ko-KR" altLang="en-US" dirty="0" smtClean="0"/>
-              <a:t>왕진영</a:t>
-            </a:r>
-            <a:r>
-              <a:rPr lang="en-US" altLang="ko-KR" dirty="0" smtClean="0"/>
-              <a:t>_2016201278</a:t>
+              <a:rPr lang="ko-KR" altLang="en-US" dirty="0"/>
+              <a:t>홍길동</a:t>
+            </a:r>
+            <a:r>
+              <a:rPr lang="en-US" altLang="ko-KR" dirty="0"/>
+              <a:t>_12345678</a:t>
             </a:r>
           </a:p>
           <a:p>
             <a:pPr lvl="1"/>
             <a:r>
-              <a:rPr lang="ko-KR" altLang="en-US" dirty="0" smtClean="0"/>
+              <a:rPr lang="ko-KR" altLang="en-US" dirty="0"/>
               <a:t>제출 포맷과 메일 제목이 다를 시 불이익 있을 수 있음</a:t>
             </a:r>
             <a:endParaRPr lang="en-US" altLang="ko-KR" dirty="0"/>
